--- a/exposicion/MDLR - 2022-06-13 18.14.11.pptx
+++ b/exposicion/MDLR - 2022-06-13 18.14.11.pptx
@@ -4,6 +4,9 @@
   <p:sldMasterIdLst>
     <p:sldMasterId id="2147483648" r:id="rId1"/>
   </p:sldMasterIdLst>
+  <p:notesMasterIdLst>
+    <p:notesMasterId r:id="rId13"/>
+  </p:notesMasterIdLst>
   <p:sldIdLst>
     <p:sldId id="256" r:id="rId2"/>
     <p:sldId id="257" r:id="rId3"/>
@@ -17,9 +20,6 @@
     <p:sldId id="265" r:id="rId11"/>
     <p:sldId id="266" r:id="rId12"/>
   </p:sldIdLst>
-  <p:notesMasterIdLst>
-    <p:notesMasterId r:id="rId17"/>
-  </p:notesMasterIdLst>
   <p:sldSz cx="9144000" cy="5143500" type="screen16x9"/>
   <p:notesSz cx="5143500" cy="9144000"/>
   <p:defaultTextStyle>
@@ -114,6 +114,11 @@
       </a:defRPr>
     </a:lvl9pPr>
   </p:defaultTextStyle>
+  <p:extLst>
+    <p:ext uri="{EFAFB233-063F-42B5-8137-9DF3F51BA10A}">
+      <p15:sldGuideLst xmlns:p15="http://schemas.microsoft.com/office/powerpoint/2012/main"/>
+    </p:ext>
+  </p:extLst>
 </p:presentation>
 </file>
 
@@ -139,235 +144,10 @@
           <a:chExt cx="0" cy="0"/>
         </a:xfrm>
       </p:grpSpPr>
-      <p:sp>
-        <p:nvSpPr>
-          <p:cNvPr id="2" name="Header Placeholder 1"/>
-          <p:cNvSpPr>
-            <a:spLocks noGrp="1"/>
-          </p:cNvSpPr>
-          <p:nvPr>
-            <p:ph type="hdr" sz="quarter"/>
-          </p:nvPr>
-        </p:nvSpPr>
-        <p:spPr>
-          <a:xfrm>
-            <a:off x="0" y="0"/>
-            <a:ext cx="2971800" cy="458788"/>
-          </a:xfrm>
-          <a:prstGeom prst="rect">
-            <a:avLst/>
-          </a:prstGeom>
-        </p:spPr>
-        <p:txBody>
-          <a:bodyPr vert="horz" lIns="91440" tIns="45720" rIns="91440" bIns="45720" rtlCol="0"/>
-          <a:lstStyle>
-            <a:lvl1pPr algn="l">
-              <a:defRPr sz="1200"/>
-            </a:lvl1pPr>
-          </a:lstStyle>
-          <a:p>
-            <a:endParaRPr lang="en-US"/>
-          </a:p>
-        </p:txBody>
-      </p:sp>
-      <p:sp>
-        <p:nvSpPr>
-          <p:cNvPr id="3" name="Date Placeholder 2"/>
-          <p:cNvSpPr>
-            <a:spLocks noGrp="1"/>
-          </p:cNvSpPr>
-          <p:nvPr>
-            <p:ph type="dt" idx="1"/>
-          </p:nvPr>
-        </p:nvSpPr>
-        <p:spPr>
-          <a:xfrm>
-            <a:off x="3884613" y="0"/>
-            <a:ext cx="2971800" cy="458788"/>
-          </a:xfrm>
-          <a:prstGeom prst="rect">
-            <a:avLst/>
-          </a:prstGeom>
-        </p:spPr>
-        <p:txBody>
-          <a:bodyPr vert="horz" lIns="91440" tIns="45720" rIns="91440" bIns="45720" rtlCol="0"/>
-          <a:lstStyle>
-            <a:lvl1pPr algn="r">
-              <a:defRPr sz="1200"/>
-            </a:lvl1pPr>
-          </a:lstStyle>
-          <a:p>
-            <a:fld id="{5282F153-3F37-0F45-9E97-73ACFA13230C}" type="datetimeFigureOut">
-              <a:rPr lang="en-US" smtClean="0"/>
-              <a:t>6/20/18</a:t>
-            </a:fld>
-            <a:endParaRPr lang="en-US"/>
-          </a:p>
-        </p:txBody>
-      </p:sp>
-      <p:sp>
-        <p:nvSpPr>
-          <p:cNvPr id="4" name="Slide Image Placeholder 3"/>
-          <p:cNvSpPr>
-            <a:spLocks noGrp="1" noRot="1" noChangeAspect="1"/>
-          </p:cNvSpPr>
-          <p:nvPr>
-            <p:ph type="sldImg" idx="2"/>
-          </p:nvPr>
-        </p:nvSpPr>
-        <p:spPr>
-          <a:xfrm>
-            <a:off x="685800" y="1143000"/>
-            <a:ext cx="5486400" cy="3086100"/>
-          </a:xfrm>
-          <a:prstGeom prst="rect">
-            <a:avLst/>
-          </a:prstGeom>
-          <a:noFill/>
-          <a:ln w="12700">
-            <a:solidFill>
-              <a:prstClr val="black"/>
-            </a:solidFill>
-          </a:ln>
-        </p:spPr>
-        <p:txBody>
-          <a:bodyPr vert="horz" lIns="91440" tIns="45720" rIns="91440" bIns="45720" rtlCol="0" anchor="ctr"/>
-          <a:lstStyle/>
-          <a:p>
-            <a:endParaRPr lang="en-US"/>
-          </a:p>
-        </p:txBody>
-      </p:sp>
-      <p:sp>
-        <p:nvSpPr>
-          <p:cNvPr id="5" name="Notes Placeholder 4"/>
-          <p:cNvSpPr>
-            <a:spLocks noGrp="1"/>
-          </p:cNvSpPr>
-          <p:nvPr>
-            <p:ph type="body" sz="quarter" idx="3"/>
-          </p:nvPr>
-        </p:nvSpPr>
-        <p:spPr>
-          <a:xfrm>
-            <a:off x="685800" y="4400550"/>
-            <a:ext cx="5486400" cy="3600450"/>
-          </a:xfrm>
-          <a:prstGeom prst="rect">
-            <a:avLst/>
-          </a:prstGeom>
-        </p:spPr>
-        <p:txBody>
-          <a:bodyPr vert="horz" lIns="91440" tIns="45720" rIns="91440" bIns="45720" rtlCol="0"/>
-          <a:lstStyle/>
-          <a:p>
-            <a:pPr lvl="0"/>
-            <a:r>
-              <a:rPr lang="en-US" smtClean="0"/>
-              <a:t>Click to edit Master text styles</a:t>
-            </a:r>
-          </a:p>
-          <a:p>
-            <a:pPr lvl="1"/>
-            <a:r>
-              <a:rPr lang="en-US" smtClean="0"/>
-              <a:t>Second level</a:t>
-            </a:r>
-          </a:p>
-          <a:p>
-            <a:pPr lvl="2"/>
-            <a:r>
-              <a:rPr lang="en-US" smtClean="0"/>
-              <a:t>Third level</a:t>
-            </a:r>
-          </a:p>
-          <a:p>
-            <a:pPr lvl="3"/>
-            <a:r>
-              <a:rPr lang="en-US" smtClean="0"/>
-              <a:t>Fourth level</a:t>
-            </a:r>
-          </a:p>
-          <a:p>
-            <a:pPr lvl="4"/>
-            <a:r>
-              <a:rPr lang="en-US" smtClean="0"/>
-              <a:t>Fifth level</a:t>
-            </a:r>
-            <a:endParaRPr lang="en-US"/>
-          </a:p>
-        </p:txBody>
-      </p:sp>
-      <p:sp>
-        <p:nvSpPr>
-          <p:cNvPr id="6" name="Footer Placeholder 5"/>
-          <p:cNvSpPr>
-            <a:spLocks noGrp="1"/>
-          </p:cNvSpPr>
-          <p:nvPr>
-            <p:ph type="ftr" sz="quarter" idx="4"/>
-          </p:nvPr>
-        </p:nvSpPr>
-        <p:spPr>
-          <a:xfrm>
-            <a:off x="0" y="8685213"/>
-            <a:ext cx="2971800" cy="458787"/>
-          </a:xfrm>
-          <a:prstGeom prst="rect">
-            <a:avLst/>
-          </a:prstGeom>
-        </p:spPr>
-        <p:txBody>
-          <a:bodyPr vert="horz" lIns="91440" tIns="45720" rIns="91440" bIns="45720" rtlCol="0" anchor="b"/>
-          <a:lstStyle>
-            <a:lvl1pPr algn="l">
-              <a:defRPr sz="1200"/>
-            </a:lvl1pPr>
-          </a:lstStyle>
-          <a:p>
-            <a:endParaRPr lang="en-US"/>
-          </a:p>
-        </p:txBody>
-      </p:sp>
-      <p:sp>
-        <p:nvSpPr>
-          <p:cNvPr id="7" name="Slide Number Placeholder 6"/>
-          <p:cNvSpPr>
-            <a:spLocks noGrp="1"/>
-          </p:cNvSpPr>
-          <p:nvPr>
-            <p:ph type="sldNum" sz="quarter" idx="5"/>
-          </p:nvPr>
-        </p:nvSpPr>
-        <p:spPr>
-          <a:xfrm>
-            <a:off x="3884613" y="8685213"/>
-            <a:ext cx="2971800" cy="458787"/>
-          </a:xfrm>
-          <a:prstGeom prst="rect">
-            <a:avLst/>
-          </a:prstGeom>
-        </p:spPr>
-        <p:txBody>
-          <a:bodyPr vert="horz" lIns="91440" tIns="45720" rIns="91440" bIns="45720" rtlCol="0" anchor="b"/>
-          <a:lstStyle>
-            <a:lvl1pPr algn="r">
-              <a:defRPr sz="1200"/>
-            </a:lvl1pPr>
-          </a:lstStyle>
-          <a:p>
-            <a:fld id="{CE5E9CC1-C706-0F49-92D6-E571CC5EEA8F}" type="slidenum">
-              <a:rPr lang="en-US" smtClean="0"/>
-              <a:t>‹#›</a:t>
-            </a:fld>
-            <a:endParaRPr lang="en-US"/>
-          </a:p>
-        </p:txBody>
-      </p:sp>
     </p:spTree>
     <p:extLst>
       <p:ext uri="{BB962C8B-B14F-4D97-AF65-F5344CB8AC3E}">
-        <p14:creationId xmlns:p14="http://schemas.microsoft.com/office/powerpoint/2010/main" val="1024086991"/>
+        <p14:creationId xmlns:p14="http://schemas.microsoft.com/office/powerpoint/2010/main" val="150491584"/>
       </p:ext>
     </p:extLst>
   </p:cSld>
@@ -511,10 +291,6 @@
           <a:bodyPr/>
           <a:lstStyle/>
           <a:p>
-            <a:r>
-              <a:rPr lang="en-US" dirty="0" smtClean="0"/>
-              <a:t/>
-            </a:r>
             <a:endParaRPr lang="en-US" dirty="0"/>
           </a:p>
         </p:txBody>
@@ -599,10 +375,6 @@
           <a:bodyPr/>
           <a:lstStyle/>
           <a:p>
-            <a:r>
-              <a:rPr lang="en-US" dirty="0" smtClean="0"/>
-              <a:t/>
-            </a:r>
             <a:endParaRPr lang="en-US" dirty="0"/>
           </a:p>
         </p:txBody>
@@ -687,10 +459,6 @@
           <a:bodyPr/>
           <a:lstStyle/>
           <a:p>
-            <a:r>
-              <a:rPr lang="en-US" dirty="0" smtClean="0"/>
-              <a:t/>
-            </a:r>
             <a:endParaRPr lang="en-US" dirty="0"/>
           </a:p>
         </p:txBody>
@@ -775,10 +543,6 @@
           <a:bodyPr/>
           <a:lstStyle/>
           <a:p>
-            <a:r>
-              <a:rPr lang="en-US" dirty="0" smtClean="0"/>
-              <a:t/>
-            </a:r>
             <a:endParaRPr lang="en-US" dirty="0"/>
           </a:p>
         </p:txBody>
@@ -863,10 +627,6 @@
           <a:bodyPr/>
           <a:lstStyle/>
           <a:p>
-            <a:r>
-              <a:rPr lang="en-US" dirty="0" smtClean="0"/>
-              <a:t/>
-            </a:r>
             <a:endParaRPr lang="en-US" dirty="0"/>
           </a:p>
         </p:txBody>
@@ -951,10 +711,6 @@
           <a:bodyPr/>
           <a:lstStyle/>
           <a:p>
-            <a:r>
-              <a:rPr lang="en-US" dirty="0" smtClean="0"/>
-              <a:t/>
-            </a:r>
             <a:endParaRPr lang="en-US" dirty="0"/>
           </a:p>
         </p:txBody>
@@ -1039,10 +795,6 @@
           <a:bodyPr/>
           <a:lstStyle/>
           <a:p>
-            <a:r>
-              <a:rPr lang="en-US" dirty="0" smtClean="0"/>
-              <a:t/>
-            </a:r>
             <a:endParaRPr lang="en-US" dirty="0"/>
           </a:p>
         </p:txBody>
@@ -1127,10 +879,6 @@
           <a:bodyPr/>
           <a:lstStyle/>
           <a:p>
-            <a:r>
-              <a:rPr lang="en-US" dirty="0" smtClean="0"/>
-              <a:t/>
-            </a:r>
             <a:endParaRPr lang="en-US" dirty="0"/>
           </a:p>
         </p:txBody>
@@ -1215,10 +963,6 @@
           <a:bodyPr/>
           <a:lstStyle/>
           <a:p>
-            <a:r>
-              <a:rPr lang="en-US" dirty="0" smtClean="0"/>
-              <a:t/>
-            </a:r>
             <a:endParaRPr lang="en-US" dirty="0"/>
           </a:p>
         </p:txBody>
@@ -1303,10 +1047,6 @@
           <a:bodyPr/>
           <a:lstStyle/>
           <a:p>
-            <a:r>
-              <a:rPr lang="en-US" dirty="0" smtClean="0"/>
-              <a:t/>
-            </a:r>
             <a:endParaRPr lang="en-US" dirty="0"/>
           </a:p>
         </p:txBody>
@@ -1391,10 +1131,6 @@
           <a:bodyPr/>
           <a:lstStyle/>
           <a:p>
-            <a:r>
-              <a:rPr lang="en-US" dirty="0" smtClean="0"/>
-              <a:t/>
-            </a:r>
             <a:endParaRPr lang="en-US" dirty="0"/>
           </a:p>
         </p:txBody>
@@ -1463,6 +1199,11 @@
 <file path=ppt/slideMasters/slideMaster1.xml><?xml version="1.0" encoding="utf-8"?>
 <p:sldMaster xmlns:a="http://schemas.openxmlformats.org/drawingml/2006/main" xmlns:r="http://schemas.openxmlformats.org/officeDocument/2006/relationships" xmlns:p="http://schemas.openxmlformats.org/presentationml/2006/main">
   <p:cSld>
+    <p:bg>
+      <p:bgRef idx="1001">
+        <a:schemeClr val="bg1"/>
+      </p:bgRef>
+    </p:bg>
     <p:spTree>
       <p:nvGrpSpPr>
         <p:cNvPr id="1" name=""/>
@@ -1756,21 +1497,51 @@
       </p:grpSpPr>
       <p:pic>
         <p:nvPicPr>
-          <p:cNvPr id="2" name="Object 1" descr="/tmp/beautiful_ai_exports/99aeae71-ac68-4c6e-9e03-68634af6383a.jpg">    </p:cNvPr>
+          <p:cNvPr id="2" name="Object 1" descr="/tmp/beautiful_ai_exports/99aeae71-ac68-4c6e-9e03-68634af6383a.jpg"/>
           <p:cNvPicPr>
             <a:picLocks noChangeAspect="1"/>
           </p:cNvPicPr>
           <p:nvPr/>
         </p:nvPicPr>
         <p:blipFill>
-          <a:blip r:embed="rId1"/>
-          <a:srcRect l="0" r="0" t="0" b="0"/>
+          <a:blip r:embed="rId3"/>
+          <a:srcRect/>
           <a:stretch/>
         </p:blipFill>
         <p:spPr>
           <a:xfrm>
             <a:off x="0" y="0"/>
             <a:ext cx="9144000" cy="5143500"/>
+          </a:xfrm>
+          <a:prstGeom prst="rect">
+            <a:avLst/>
+          </a:prstGeom>
+        </p:spPr>
+      </p:pic>
+      <p:pic>
+        <p:nvPicPr>
+          <p:cNvPr id="3" name="Imagen 2"/>
+          <p:cNvPicPr>
+            <a:picLocks noChangeAspect="1"/>
+          </p:cNvPicPr>
+          <p:nvPr/>
+        </p:nvPicPr>
+        <p:blipFill>
+          <a:blip r:embed="rId4">
+            <a:extLst>
+              <a:ext uri="{28A0092B-C50C-407E-A947-70E740481C1C}">
+                <a14:useLocalDpi xmlns:a14="http://schemas.microsoft.com/office/drawing/2010/main" val="0"/>
+              </a:ext>
+            </a:extLst>
+          </a:blip>
+          <a:stretch>
+            <a:fillRect/>
+          </a:stretch>
+        </p:blipFill>
+        <p:spPr>
+          <a:xfrm>
+            <a:off x="1645955" y="1987467"/>
+            <a:ext cx="1278548" cy="1168565"/>
           </a:xfrm>
           <a:prstGeom prst="rect">
             <a:avLst/>
@@ -1804,15 +1575,15 @@
       </p:grpSpPr>
       <p:pic>
         <p:nvPicPr>
-          <p:cNvPr id="2" name="Object 1" descr="/tmp/beautiful_ai_exports/5de0c76e-f387-457f-979c-6fc5d38c17ca.jpg">    </p:cNvPr>
+          <p:cNvPr id="2" name="Object 1" descr="/tmp/beautiful_ai_exports/5de0c76e-f387-457f-979c-6fc5d38c17ca.jpg"/>
           <p:cNvPicPr>
             <a:picLocks noChangeAspect="1"/>
           </p:cNvPicPr>
           <p:nvPr/>
         </p:nvPicPr>
         <p:blipFill>
-          <a:blip r:embed="rId1"/>
-          <a:srcRect l="0" r="0" t="0" b="0"/>
+          <a:blip r:embed="rId3"/>
+          <a:srcRect/>
           <a:stretch/>
         </p:blipFill>
         <p:spPr>
@@ -1852,15 +1623,15 @@
       </p:grpSpPr>
       <p:pic>
         <p:nvPicPr>
-          <p:cNvPr id="2" name="Object 1" descr="/tmp/beautiful_ai_exports/ad9a979e-69ea-45ab-aa37-69192cf801c3.jpg">    </p:cNvPr>
+          <p:cNvPr id="2" name="Object 1" descr="/tmp/beautiful_ai_exports/ad9a979e-69ea-45ab-aa37-69192cf801c3.jpg"/>
           <p:cNvPicPr>
             <a:picLocks noChangeAspect="1"/>
           </p:cNvPicPr>
           <p:nvPr/>
         </p:nvPicPr>
         <p:blipFill>
-          <a:blip r:embed="rId1"/>
-          <a:srcRect l="0" r="0" t="0" b="0"/>
+          <a:blip r:embed="rId3"/>
+          <a:srcRect/>
           <a:stretch/>
         </p:blipFill>
         <p:spPr>
@@ -1900,15 +1671,15 @@
       </p:grpSpPr>
       <p:pic>
         <p:nvPicPr>
-          <p:cNvPr id="2" name="Object 1" descr="/tmp/beautiful_ai_exports/947ca4ba-50c4-4f24-b115-521e4f3d6f82.jpg">    </p:cNvPr>
+          <p:cNvPr id="2" name="Object 1" descr="/tmp/beautiful_ai_exports/947ca4ba-50c4-4f24-b115-521e4f3d6f82.jpg"/>
           <p:cNvPicPr>
             <a:picLocks noChangeAspect="1"/>
           </p:cNvPicPr>
           <p:nvPr/>
         </p:nvPicPr>
         <p:blipFill>
-          <a:blip r:embed="rId1"/>
-          <a:srcRect l="0" r="0" t="0" b="0"/>
+          <a:blip r:embed="rId3"/>
+          <a:srcRect/>
           <a:stretch/>
         </p:blipFill>
         <p:spPr>
@@ -1948,15 +1719,15 @@
       </p:grpSpPr>
       <p:pic>
         <p:nvPicPr>
-          <p:cNvPr id="2" name="Object 1" descr="/tmp/beautiful_ai_exports/2d8cccee-b89d-4c16-80c0-fde53fee7384.jpg">    </p:cNvPr>
+          <p:cNvPr id="2" name="Object 1" descr="/tmp/beautiful_ai_exports/2d8cccee-b89d-4c16-80c0-fde53fee7384.jpg"/>
           <p:cNvPicPr>
             <a:picLocks noChangeAspect="1"/>
           </p:cNvPicPr>
           <p:nvPr/>
         </p:nvPicPr>
         <p:blipFill>
-          <a:blip r:embed="rId1"/>
-          <a:srcRect l="0" r="0" t="0" b="0"/>
+          <a:blip r:embed="rId3"/>
+          <a:srcRect/>
           <a:stretch/>
         </p:blipFill>
         <p:spPr>
@@ -1996,15 +1767,15 @@
       </p:grpSpPr>
       <p:pic>
         <p:nvPicPr>
-          <p:cNvPr id="2" name="Object 1" descr="/tmp/beautiful_ai_exports/8f87ca5e-f7e3-4eba-852d-c20b4ff51f46.jpg">    </p:cNvPr>
+          <p:cNvPr id="2" name="Object 1" descr="/tmp/beautiful_ai_exports/8f87ca5e-f7e3-4eba-852d-c20b4ff51f46.jpg"/>
           <p:cNvPicPr>
             <a:picLocks noChangeAspect="1"/>
           </p:cNvPicPr>
           <p:nvPr/>
         </p:nvPicPr>
         <p:blipFill>
-          <a:blip r:embed="rId1"/>
-          <a:srcRect l="0" r="0" t="0" b="0"/>
+          <a:blip r:embed="rId3"/>
+          <a:srcRect/>
           <a:stretch/>
         </p:blipFill>
         <p:spPr>
@@ -2044,15 +1815,15 @@
       </p:grpSpPr>
       <p:pic>
         <p:nvPicPr>
-          <p:cNvPr id="2" name="Object 1" descr="/tmp/beautiful_ai_exports/21eb91cc-4434-41df-8083-4958ab0f2ffc.jpg">    </p:cNvPr>
+          <p:cNvPr id="2" name="Object 1" descr="/tmp/beautiful_ai_exports/21eb91cc-4434-41df-8083-4958ab0f2ffc.jpg"/>
           <p:cNvPicPr>
             <a:picLocks noChangeAspect="1"/>
           </p:cNvPicPr>
           <p:nvPr/>
         </p:nvPicPr>
         <p:blipFill>
-          <a:blip r:embed="rId1"/>
-          <a:srcRect l="0" r="0" t="0" b="0"/>
+          <a:blip r:embed="rId3"/>
+          <a:srcRect/>
           <a:stretch/>
         </p:blipFill>
         <p:spPr>
@@ -2092,15 +1863,15 @@
       </p:grpSpPr>
       <p:pic>
         <p:nvPicPr>
-          <p:cNvPr id="2" name="Object 1" descr="/tmp/beautiful_ai_exports/21eb91cc-4434-41df-8083-4958ab0f2ffc.1.jpg">    </p:cNvPr>
+          <p:cNvPr id="2" name="Object 1" descr="/tmp/beautiful_ai_exports/21eb91cc-4434-41df-8083-4958ab0f2ffc.1.jpg"/>
           <p:cNvPicPr>
             <a:picLocks noChangeAspect="1"/>
           </p:cNvPicPr>
           <p:nvPr/>
         </p:nvPicPr>
         <p:blipFill>
-          <a:blip r:embed="rId1"/>
-          <a:srcRect l="0" r="0" t="0" b="0"/>
+          <a:blip r:embed="rId3"/>
+          <a:srcRect/>
           <a:stretch/>
         </p:blipFill>
         <p:spPr>
@@ -2140,15 +1911,15 @@
       </p:grpSpPr>
       <p:pic>
         <p:nvPicPr>
-          <p:cNvPr id="2" name="Object 1" descr="/tmp/beautiful_ai_exports/495a6a73-1a13-47a1-86f3-fb5a3e8fb25f.jpg">    </p:cNvPr>
+          <p:cNvPr id="2" name="Object 1" descr="/tmp/beautiful_ai_exports/495a6a73-1a13-47a1-86f3-fb5a3e8fb25f.jpg"/>
           <p:cNvPicPr>
             <a:picLocks noChangeAspect="1"/>
           </p:cNvPicPr>
           <p:nvPr/>
         </p:nvPicPr>
         <p:blipFill>
-          <a:blip r:embed="rId1"/>
-          <a:srcRect l="0" r="0" t="0" b="0"/>
+          <a:blip r:embed="rId3"/>
+          <a:srcRect/>
           <a:stretch/>
         </p:blipFill>
         <p:spPr>
@@ -2188,15 +1959,15 @@
       </p:grpSpPr>
       <p:pic>
         <p:nvPicPr>
-          <p:cNvPr id="2" name="Object 1" descr="/tmp/beautiful_ai_exports/495a6a73-1a13-47a1-86f3-fb5a3e8fb25f.1.jpg">    </p:cNvPr>
+          <p:cNvPr id="2" name="Object 1" descr="/tmp/beautiful_ai_exports/495a6a73-1a13-47a1-86f3-fb5a3e8fb25f.1.jpg"/>
           <p:cNvPicPr>
             <a:picLocks noChangeAspect="1"/>
           </p:cNvPicPr>
           <p:nvPr/>
         </p:nvPicPr>
         <p:blipFill>
-          <a:blip r:embed="rId1"/>
-          <a:srcRect l="0" r="0" t="0" b="0"/>
+          <a:blip r:embed="rId3"/>
+          <a:srcRect/>
           <a:stretch/>
         </p:blipFill>
         <p:spPr>
@@ -2236,15 +2007,15 @@
       </p:grpSpPr>
       <p:pic>
         <p:nvPicPr>
-          <p:cNvPr id="2" name="Object 1" descr="/tmp/beautiful_ai_exports/76b5ad6b-b6f9-409c-8d94-130fcc7197d3.jpg">    </p:cNvPr>
+          <p:cNvPr id="2" name="Object 1" descr="/tmp/beautiful_ai_exports/76b5ad6b-b6f9-409c-8d94-130fcc7197d3.jpg"/>
           <p:cNvPicPr>
             <a:picLocks noChangeAspect="1"/>
           </p:cNvPicPr>
           <p:nvPr/>
         </p:nvPicPr>
         <p:blipFill>
-          <a:blip r:embed="rId1"/>
-          <a:srcRect l="0" r="0" t="0" b="0"/>
+          <a:blip r:embed="rId3"/>
+          <a:srcRect/>
           <a:stretch/>
         </p:blipFill>
         <p:spPr>
@@ -2546,4 +2317,265 @@
   <a:objectDefaults/>
   <a:extraClrSchemeLst/>
 </a:theme>
+</file>
+
+<file path=ppt/theme/theme2.xml><?xml version="1.0" encoding="utf-8"?>
+<a:theme xmlns:a="http://schemas.openxmlformats.org/drawingml/2006/main" name="Tema de Office">
+  <a:themeElements>
+    <a:clrScheme name="Office">
+      <a:dk1>
+        <a:sysClr val="windowText" lastClr="000000"/>
+      </a:dk1>
+      <a:lt1>
+        <a:sysClr val="window" lastClr="FFFFFF"/>
+      </a:lt1>
+      <a:dk2>
+        <a:srgbClr val="44546A"/>
+      </a:dk2>
+      <a:lt2>
+        <a:srgbClr val="E7E6E6"/>
+      </a:lt2>
+      <a:accent1>
+        <a:srgbClr val="5B9BD5"/>
+      </a:accent1>
+      <a:accent2>
+        <a:srgbClr val="ED7D31"/>
+      </a:accent2>
+      <a:accent3>
+        <a:srgbClr val="A5A5A5"/>
+      </a:accent3>
+      <a:accent4>
+        <a:srgbClr val="FFC000"/>
+      </a:accent4>
+      <a:accent5>
+        <a:srgbClr val="4472C4"/>
+      </a:accent5>
+      <a:accent6>
+        <a:srgbClr val="70AD47"/>
+      </a:accent6>
+      <a:hlink>
+        <a:srgbClr val="0563C1"/>
+      </a:hlink>
+      <a:folHlink>
+        <a:srgbClr val="954F72"/>
+      </a:folHlink>
+    </a:clrScheme>
+    <a:fontScheme name="Office">
+      <a:majorFont>
+        <a:latin typeface="Calibri Light" panose="020F0302020204030204"/>
+        <a:ea typeface=""/>
+        <a:cs typeface=""/>
+        <a:font script="Jpan" typeface="游ゴシック Light"/>
+        <a:font script="Hang" typeface="맑은 고딕"/>
+        <a:font script="Hans" typeface="等线 Light"/>
+        <a:font script="Hant" typeface="新細明體"/>
+        <a:font script="Arab" typeface="Times New Roman"/>
+        <a:font script="Hebr" typeface="Times New Roman"/>
+        <a:font script="Thai" typeface="Angsana New"/>
+        <a:font script="Ethi" typeface="Nyala"/>
+        <a:font script="Beng" typeface="Vrinda"/>
+        <a:font script="Gujr" typeface="Shruti"/>
+        <a:font script="Khmr" typeface="MoolBoran"/>
+        <a:font script="Knda" typeface="Tunga"/>
+        <a:font script="Guru" typeface="Raavi"/>
+        <a:font script="Cans" typeface="Euphemia"/>
+        <a:font script="Cher" typeface="Plantagenet Cherokee"/>
+        <a:font script="Yiii" typeface="Microsoft Yi Baiti"/>
+        <a:font script="Tibt" typeface="Microsoft Himalaya"/>
+        <a:font script="Thaa" typeface="MV Boli"/>
+        <a:font script="Deva" typeface="Mangal"/>
+        <a:font script="Telu" typeface="Gautami"/>
+        <a:font script="Taml" typeface="Latha"/>
+        <a:font script="Syrc" typeface="Estrangelo Edessa"/>
+        <a:font script="Orya" typeface="Kalinga"/>
+        <a:font script="Mlym" typeface="Kartika"/>
+        <a:font script="Laoo" typeface="DokChampa"/>
+        <a:font script="Sinh" typeface="Iskoola Pota"/>
+        <a:font script="Mong" typeface="Mongolian Baiti"/>
+        <a:font script="Viet" typeface="Times New Roman"/>
+        <a:font script="Uigh" typeface="Microsoft Uighur"/>
+        <a:font script="Geor" typeface="Sylfaen"/>
+      </a:majorFont>
+      <a:minorFont>
+        <a:latin typeface="Calibri" panose="020F0502020204030204"/>
+        <a:ea typeface=""/>
+        <a:cs typeface=""/>
+        <a:font script="Jpan" typeface="游ゴシック"/>
+        <a:font script="Hang" typeface="맑은 고딕"/>
+        <a:font script="Hans" typeface="等线"/>
+        <a:font script="Hant" typeface="新細明體"/>
+        <a:font script="Arab" typeface="Arial"/>
+        <a:font script="Hebr" typeface="Arial"/>
+        <a:font script="Thai" typeface="Cordia New"/>
+        <a:font script="Ethi" typeface="Nyala"/>
+        <a:font script="Beng" typeface="Vrinda"/>
+        <a:font script="Gujr" typeface="Shruti"/>
+        <a:font script="Khmr" typeface="DaunPenh"/>
+        <a:font script="Knda" typeface="Tunga"/>
+        <a:font script="Guru" typeface="Raavi"/>
+        <a:font script="Cans" typeface="Euphemia"/>
+        <a:font script="Cher" typeface="Plantagenet Cherokee"/>
+        <a:font script="Yiii" typeface="Microsoft Yi Baiti"/>
+        <a:font script="Tibt" typeface="Microsoft Himalaya"/>
+        <a:font script="Thaa" typeface="MV Boli"/>
+        <a:font script="Deva" typeface="Mangal"/>
+        <a:font script="Telu" typeface="Gautami"/>
+        <a:font script="Taml" typeface="Latha"/>
+        <a:font script="Syrc" typeface="Estrangelo Edessa"/>
+        <a:font script="Orya" typeface="Kalinga"/>
+        <a:font script="Mlym" typeface="Kartika"/>
+        <a:font script="Laoo" typeface="DokChampa"/>
+        <a:font script="Sinh" typeface="Iskoola Pota"/>
+        <a:font script="Mong" typeface="Mongolian Baiti"/>
+        <a:font script="Viet" typeface="Arial"/>
+        <a:font script="Uigh" typeface="Microsoft Uighur"/>
+        <a:font script="Geor" typeface="Sylfaen"/>
+      </a:minorFont>
+    </a:fontScheme>
+    <a:fmtScheme name="Office">
+      <a:fillStyleLst>
+        <a:solidFill>
+          <a:schemeClr val="phClr"/>
+        </a:solidFill>
+        <a:gradFill rotWithShape="1">
+          <a:gsLst>
+            <a:gs pos="0">
+              <a:schemeClr val="phClr">
+                <a:lumMod val="110000"/>
+                <a:satMod val="105000"/>
+                <a:tint val="67000"/>
+              </a:schemeClr>
+            </a:gs>
+            <a:gs pos="50000">
+              <a:schemeClr val="phClr">
+                <a:lumMod val="105000"/>
+                <a:satMod val="103000"/>
+                <a:tint val="73000"/>
+              </a:schemeClr>
+            </a:gs>
+            <a:gs pos="100000">
+              <a:schemeClr val="phClr">
+                <a:lumMod val="105000"/>
+                <a:satMod val="109000"/>
+                <a:tint val="81000"/>
+              </a:schemeClr>
+            </a:gs>
+          </a:gsLst>
+          <a:lin ang="5400000" scaled="0"/>
+        </a:gradFill>
+        <a:gradFill rotWithShape="1">
+          <a:gsLst>
+            <a:gs pos="0">
+              <a:schemeClr val="phClr">
+                <a:satMod val="103000"/>
+                <a:lumMod val="102000"/>
+                <a:tint val="94000"/>
+              </a:schemeClr>
+            </a:gs>
+            <a:gs pos="50000">
+              <a:schemeClr val="phClr">
+                <a:satMod val="110000"/>
+                <a:lumMod val="100000"/>
+                <a:shade val="100000"/>
+              </a:schemeClr>
+            </a:gs>
+            <a:gs pos="100000">
+              <a:schemeClr val="phClr">
+                <a:lumMod val="99000"/>
+                <a:satMod val="120000"/>
+                <a:shade val="78000"/>
+              </a:schemeClr>
+            </a:gs>
+          </a:gsLst>
+          <a:lin ang="5400000" scaled="0"/>
+        </a:gradFill>
+      </a:fillStyleLst>
+      <a:lnStyleLst>
+        <a:ln w="6350" cap="flat" cmpd="sng" algn="ctr">
+          <a:solidFill>
+            <a:schemeClr val="phClr"/>
+          </a:solidFill>
+          <a:prstDash val="solid"/>
+          <a:miter lim="800000"/>
+        </a:ln>
+        <a:ln w="12700" cap="flat" cmpd="sng" algn="ctr">
+          <a:solidFill>
+            <a:schemeClr val="phClr"/>
+          </a:solidFill>
+          <a:prstDash val="solid"/>
+          <a:miter lim="800000"/>
+        </a:ln>
+        <a:ln w="19050" cap="flat" cmpd="sng" algn="ctr">
+          <a:solidFill>
+            <a:schemeClr val="phClr"/>
+          </a:solidFill>
+          <a:prstDash val="solid"/>
+          <a:miter lim="800000"/>
+        </a:ln>
+      </a:lnStyleLst>
+      <a:effectStyleLst>
+        <a:effectStyle>
+          <a:effectLst/>
+        </a:effectStyle>
+        <a:effectStyle>
+          <a:effectLst/>
+        </a:effectStyle>
+        <a:effectStyle>
+          <a:effectLst>
+            <a:outerShdw blurRad="57150" dist="19050" dir="5400000" algn="ctr" rotWithShape="0">
+              <a:srgbClr val="000000">
+                <a:alpha val="63000"/>
+              </a:srgbClr>
+            </a:outerShdw>
+          </a:effectLst>
+        </a:effectStyle>
+      </a:effectStyleLst>
+      <a:bgFillStyleLst>
+        <a:solidFill>
+          <a:schemeClr val="phClr"/>
+        </a:solidFill>
+        <a:solidFill>
+          <a:schemeClr val="phClr">
+            <a:tint val="95000"/>
+            <a:satMod val="170000"/>
+          </a:schemeClr>
+        </a:solidFill>
+        <a:gradFill rotWithShape="1">
+          <a:gsLst>
+            <a:gs pos="0">
+              <a:schemeClr val="phClr">
+                <a:tint val="93000"/>
+                <a:satMod val="150000"/>
+                <a:shade val="98000"/>
+                <a:lumMod val="102000"/>
+              </a:schemeClr>
+            </a:gs>
+            <a:gs pos="50000">
+              <a:schemeClr val="phClr">
+                <a:tint val="98000"/>
+                <a:satMod val="130000"/>
+                <a:shade val="90000"/>
+                <a:lumMod val="103000"/>
+              </a:schemeClr>
+            </a:gs>
+            <a:gs pos="100000">
+              <a:schemeClr val="phClr">
+                <a:shade val="63000"/>
+                <a:satMod val="120000"/>
+              </a:schemeClr>
+            </a:gs>
+          </a:gsLst>
+          <a:lin ang="5400000" scaled="0"/>
+        </a:gradFill>
+      </a:bgFillStyleLst>
+    </a:fmtScheme>
+  </a:themeElements>
+  <a:objectDefaults/>
+  <a:extraClrSchemeLst/>
+  <a:extLst>
+    <a:ext uri="{05A4C25C-085E-4340-85A3-A5531E510DB2}">
+      <thm15:themeFamily xmlns:thm15="http://schemas.microsoft.com/office/thememl/2012/main" name="Office Theme" id="{62F939B6-93AF-4DB8-9C6B-D6C7DFDC589F}" vid="{4A3C46E8-61CC-4603-A589-7422A47A8E4A}"/>
+    </a:ext>
+  </a:extLst>
+</a:theme>
 </file>